--- a/Pitch Slide.pptx
+++ b/Pitch Slide.pptx
@@ -3069,6 +3069,203 @@
               <a:alpha val="30196"/>
             </a:srgbClr>
           </a:solidFill>
+          <a:extLst/>
+        </p:spPr>
+      </p:pic>
+      <p:pic>
+        <p:nvPicPr>
+          <p:cNvPr id="1029" name="Picture 5" descr="C:\Users\Ozan\Desktop\Shellshock\images\assets\tank_red_cannon.png"/>
+          <p:cNvPicPr>
+            <a:picLocks noChangeAspect="1" noChangeArrowheads="1"/>
+          </p:cNvPicPr>
+          <p:nvPr/>
+        </p:nvPicPr>
+        <p:blipFill>
+          <a:blip r:embed="rId3">
+            <a:extLst>
+              <a:ext uri="{28A0092B-C50C-407E-A947-70E740481C1C}">
+                <a14:useLocalDpi xmlns:a14="http://schemas.microsoft.com/office/drawing/2010/main" val="0"/>
+              </a:ext>
+            </a:extLst>
+          </a:blip>
+          <a:srcRect/>
+          <a:stretch>
+            <a:fillRect/>
+          </a:stretch>
+        </p:blipFill>
+        <p:spPr bwMode="auto">
+          <a:xfrm rot="2221352">
+            <a:off x="7415213" y="5062538"/>
+            <a:ext cx="581025" cy="161925"/>
+          </a:xfrm>
+          <a:prstGeom prst="rect">
+            <a:avLst/>
+          </a:prstGeom>
+          <a:noFill/>
+          <a:extLst>
+            <a:ext uri="{909E8E84-426E-40DD-AFC4-6F175D3DCCD1}">
+              <a14:hiddenFill xmlns:a14="http://schemas.microsoft.com/office/drawing/2010/main">
+                <a:solidFill>
+                  <a:srgbClr val="FFFFFF"/>
+                </a:solidFill>
+              </a14:hiddenFill>
+            </a:ext>
+          </a:extLst>
+        </p:spPr>
+      </p:pic>
+      <p:pic>
+        <p:nvPicPr>
+          <p:cNvPr id="4" name="Picture 6" descr="C:\Users\Ozan\Desktop\Shellshock\images\assets\tank_red.png"/>
+          <p:cNvPicPr>
+            <a:picLocks noChangeAspect="1" noChangeArrowheads="1"/>
+          </p:cNvPicPr>
+          <p:nvPr/>
+        </p:nvPicPr>
+        <p:blipFill>
+          <a:blip r:embed="rId4">
+            <a:extLst>
+              <a:ext uri="{28A0092B-C50C-407E-A947-70E740481C1C}">
+                <a14:useLocalDpi xmlns:a14="http://schemas.microsoft.com/office/drawing/2010/main" val="0"/>
+              </a:ext>
+            </a:extLst>
+          </a:blip>
+          <a:srcRect/>
+          <a:stretch>
+            <a:fillRect/>
+          </a:stretch>
+        </p:blipFill>
+        <p:spPr bwMode="auto">
+          <a:xfrm>
+            <a:off x="7643521" y="5153025"/>
+            <a:ext cx="685800" cy="561975"/>
+          </a:xfrm>
+          <a:prstGeom prst="rect">
+            <a:avLst/>
+          </a:prstGeom>
+          <a:noFill/>
+          <a:extLst>
+            <a:ext uri="{909E8E84-426E-40DD-AFC4-6F175D3DCCD1}">
+              <a14:hiddenFill xmlns:a14="http://schemas.microsoft.com/office/drawing/2010/main">
+                <a:solidFill>
+                  <a:srgbClr val="FFFFFF"/>
+                </a:solidFill>
+              </a14:hiddenFill>
+            </a:ext>
+          </a:extLst>
+        </p:spPr>
+      </p:pic>
+      <p:pic>
+        <p:nvPicPr>
+          <p:cNvPr id="3" name="Picture 4" descr="C:\Users\Ozan\Desktop\Shellshock\images\assets\tank_blue_cannon.png"/>
+          <p:cNvPicPr>
+            <a:picLocks noChangeAspect="1" noChangeArrowheads="1"/>
+          </p:cNvPicPr>
+          <p:nvPr/>
+        </p:nvPicPr>
+        <p:blipFill>
+          <a:blip r:embed="rId5">
+            <a:extLst>
+              <a:ext uri="{28A0092B-C50C-407E-A947-70E740481C1C}">
+                <a14:useLocalDpi xmlns:a14="http://schemas.microsoft.com/office/drawing/2010/main" val="0"/>
+              </a:ext>
+            </a:extLst>
+          </a:blip>
+          <a:srcRect/>
+          <a:stretch>
+            <a:fillRect/>
+          </a:stretch>
+        </p:blipFill>
+        <p:spPr bwMode="auto">
+          <a:xfrm>
+            <a:off x="3251058" y="1703294"/>
+            <a:ext cx="581025" cy="190500"/>
+          </a:xfrm>
+          <a:prstGeom prst="rect">
+            <a:avLst/>
+          </a:prstGeom>
+          <a:noFill/>
+          <a:extLst>
+            <a:ext uri="{909E8E84-426E-40DD-AFC4-6F175D3DCCD1}">
+              <a14:hiddenFill xmlns:a14="http://schemas.microsoft.com/office/drawing/2010/main">
+                <a:solidFill>
+                  <a:srgbClr val="FFFFFF"/>
+                </a:solidFill>
+              </a14:hiddenFill>
+            </a:ext>
+          </a:extLst>
+        </p:spPr>
+      </p:pic>
+      <p:pic>
+        <p:nvPicPr>
+          <p:cNvPr id="2" name="Picture 3" descr="C:\Users\Ozan\Desktop\Shellshock\images\assets\tank_blue.png"/>
+          <p:cNvPicPr>
+            <a:picLocks noChangeAspect="1" noChangeArrowheads="1"/>
+          </p:cNvPicPr>
+          <p:nvPr/>
+        </p:nvPicPr>
+        <p:blipFill>
+          <a:blip r:embed="rId6">
+            <a:extLst>
+              <a:ext uri="{28A0092B-C50C-407E-A947-70E740481C1C}">
+                <a14:useLocalDpi xmlns:a14="http://schemas.microsoft.com/office/drawing/2010/main" val="0"/>
+              </a:ext>
+            </a:extLst>
+          </a:blip>
+          <a:srcRect/>
+          <a:stretch>
+            <a:fillRect/>
+          </a:stretch>
+        </p:blipFill>
+        <p:spPr bwMode="auto">
+          <a:xfrm>
+            <a:off x="3515522" y="1586899"/>
+            <a:ext cx="842001" cy="689973"/>
+          </a:xfrm>
+          <a:prstGeom prst="rect">
+            <a:avLst/>
+          </a:prstGeom>
+          <a:noFill/>
+          <a:extLst>
+            <a:ext uri="{909E8E84-426E-40DD-AFC4-6F175D3DCCD1}">
+              <a14:hiddenFill xmlns:a14="http://schemas.microsoft.com/office/drawing/2010/main">
+                <a:solidFill>
+                  <a:srgbClr val="FFFFFF"/>
+                </a:solidFill>
+              </a14:hiddenFill>
+            </a:ext>
+          </a:extLst>
+        </p:spPr>
+      </p:pic>
+      <p:pic>
+        <p:nvPicPr>
+          <p:cNvPr id="1026" name="Picture 2" descr="C:\Users\Ozan\Desktop\Shellshock\images\assets\explosion1.png"/>
+          <p:cNvPicPr>
+            <a:picLocks noChangeAspect="1" noChangeArrowheads="1"/>
+          </p:cNvPicPr>
+          <p:nvPr/>
+        </p:nvPicPr>
+        <p:blipFill>
+          <a:blip r:embed="rId7">
+            <a:extLst>
+              <a:ext uri="{28A0092B-C50C-407E-A947-70E740481C1C}">
+                <a14:useLocalDpi xmlns:a14="http://schemas.microsoft.com/office/drawing/2010/main" val="0"/>
+              </a:ext>
+            </a:extLst>
+          </a:blip>
+          <a:srcRect/>
+          <a:stretch>
+            <a:fillRect/>
+          </a:stretch>
+        </p:blipFill>
+        <p:spPr bwMode="auto">
+          <a:xfrm rot="20679470">
+            <a:off x="3463412" y="4490434"/>
+            <a:ext cx="1285226" cy="1046541"/>
+          </a:xfrm>
+          <a:prstGeom prst="rect">
+            <a:avLst/>
+          </a:prstGeom>
+          <a:noFill/>
           <a:extLst>
             <a:ext uri="{909E8E84-426E-40DD-AFC4-6F175D3DCCD1}">
               <a14:hiddenFill xmlns:a14="http://schemas.microsoft.com/office/drawing/2010/main">
@@ -3089,7 +3286,7 @@
           <p:nvPr/>
         </p:nvPicPr>
         <p:blipFill>
-          <a:blip r:embed="rId3" cstate="print">
+          <a:blip r:embed="rId8" cstate="print">
             <a:extLst>
               <a:ext uri="{28A0092B-C50C-407E-A947-70E740481C1C}">
                 <a14:useLocalDpi xmlns:a14="http://schemas.microsoft.com/office/drawing/2010/main" val="0"/>
@@ -3160,7 +3357,7 @@
         </p:nvSpPr>
         <p:spPr>
           <a:xfrm>
-            <a:off x="179512" y="1484784"/>
+            <a:off x="210365" y="1484784"/>
             <a:ext cx="4248472" cy="1584176"/>
           </a:xfrm>
           <a:prstGeom prst="rect">
@@ -3380,7 +3577,7 @@
           <p:nvPr/>
         </p:nvPicPr>
         <p:blipFill>
-          <a:blip r:embed="rId4" cstate="print">
+          <a:blip r:embed="rId9" cstate="print">
             <a:extLst>
               <a:ext uri="{28A0092B-C50C-407E-A947-70E740481C1C}">
                 <a14:useLocalDpi xmlns:a14="http://schemas.microsoft.com/office/drawing/2010/main" val="0"/>
@@ -3420,7 +3617,7 @@
         </p:nvSpPr>
         <p:spPr>
           <a:xfrm>
-            <a:off x="179512" y="3250952"/>
+            <a:off x="208112" y="3250952"/>
             <a:ext cx="4248472" cy="1690216"/>
           </a:xfrm>
           <a:prstGeom prst="rect">
@@ -3871,7 +4068,7 @@
           <p:nvPr/>
         </p:nvPicPr>
         <p:blipFill>
-          <a:blip r:embed="rId5" cstate="print">
+          <a:blip r:embed="rId10" cstate="print">
             <a:extLst>
               <a:ext uri="{28A0092B-C50C-407E-A947-70E740481C1C}">
                 <a14:useLocalDpi xmlns:a14="http://schemas.microsoft.com/office/drawing/2010/main" val="0"/>
@@ -3912,7 +4109,7 @@
           <p:nvPr/>
         </p:nvPicPr>
         <p:blipFill>
-          <a:blip r:embed="rId6" cstate="print">
+          <a:blip r:embed="rId11" cstate="print">
             <a:extLst>
               <a:ext uri="{28A0092B-C50C-407E-A947-70E740481C1C}">
                 <a14:useLocalDpi xmlns:a14="http://schemas.microsoft.com/office/drawing/2010/main" val="0"/>
@@ -3953,7 +4150,7 @@
           <p:nvPr/>
         </p:nvPicPr>
         <p:blipFill>
-          <a:blip r:embed="rId7" cstate="print">
+          <a:blip r:embed="rId12" cstate="print">
             <a:extLst>
               <a:ext uri="{28A0092B-C50C-407E-A947-70E740481C1C}">
                 <a14:useLocalDpi xmlns:a14="http://schemas.microsoft.com/office/drawing/2010/main" val="0"/>
@@ -4267,7 +4464,7 @@
           <p:nvPr/>
         </p:nvPicPr>
         <p:blipFill>
-          <a:blip r:embed="rId8" cstate="print">
+          <a:blip r:embed="rId13" cstate="print">
             <a:extLst>
               <a:ext uri="{28A0092B-C50C-407E-A947-70E740481C1C}">
                 <a14:useLocalDpi xmlns:a14="http://schemas.microsoft.com/office/drawing/2010/main" val="0"/>
